--- a/presentation/Presentation.pptx
+++ b/presentation/Presentation.pptx
@@ -127,7 +127,7 @@
           <a:p>
             <a:fld id="{19CA8FF3-C8A0-4F88-83DE-2F29BD7ABA81}" type="datetimeFigureOut">
               <a:rPr lang="ru-RU" smtClean="0"/>
-              <a:t>24.11.2025</a:t>
+              <a:t>27.11.2025</a:t>
             </a:fld>
             <a:endParaRPr lang="ru-RU"/>
           </a:p>
@@ -630,7 +630,7 @@
           <a:p>
             <a:fld id="{1D8BD707-D9CF-40AE-B4C6-C98DA3205C09}" type="datetimeFigureOut">
               <a:rPr lang="en-US"/>
-              <a:t>11/24/2025</a:t>
+              <a:t>11/27/2025</a:t>
             </a:fld>
             <a:endParaRPr lang="en-US"/>
           </a:p>
@@ -816,7 +816,7 @@
           <a:p>
             <a:fld id="{1D8BD707-D9CF-40AE-B4C6-C98DA3205C09}" type="datetimeFigureOut">
               <a:rPr lang="en-US"/>
-              <a:t>11/24/2025</a:t>
+              <a:t>11/27/2025</a:t>
             </a:fld>
             <a:endParaRPr lang="en-US"/>
           </a:p>
@@ -1039,7 +1039,7 @@
           <a:p>
             <a:fld id="{1D8BD707-D9CF-40AE-B4C6-C98DA3205C09}" type="datetimeFigureOut">
               <a:rPr lang="en-US"/>
-              <a:t>11/24/2025</a:t>
+              <a:t>11/27/2025</a:t>
             </a:fld>
             <a:endParaRPr lang="en-US"/>
           </a:p>
@@ -1921,7 +1921,7 @@
           <a:p>
             <a:fld id="{1D8BD707-D9CF-40AE-B4C6-C98DA3205C09}" type="datetimeFigureOut">
               <a:rPr lang="en-US"/>
-              <a:t>11/24/2025</a:t>
+              <a:t>11/27/2025</a:t>
             </a:fld>
             <a:endParaRPr lang="en-US"/>
           </a:p>
@@ -2049,7 +2049,7 @@
           <a:p>
             <a:fld id="{1D8BD707-D9CF-40AE-B4C6-C98DA3205C09}" type="datetimeFigureOut">
               <a:rPr lang="en-US"/>
-              <a:t>11/24/2025</a:t>
+              <a:t>11/27/2025</a:t>
             </a:fld>
             <a:endParaRPr lang="en-US"/>
           </a:p>
@@ -2283,7 +2283,7 @@
           <a:p>
             <a:fld id="{1D8BD707-D9CF-40AE-B4C6-C98DA3205C09}" type="datetimeFigureOut">
               <a:rPr lang="en-US"/>
-              <a:t>11/24/2025</a:t>
+              <a:t>11/27/2025</a:t>
             </a:fld>
             <a:endParaRPr lang="en-US"/>
           </a:p>
@@ -4270,6 +4270,87 @@
           </p:txBody>
         </p:sp>
       </p:grpSp>
+      <p:pic>
+        <p:nvPicPr>
+          <p:cNvPr id="17" name="Рисунок 16"/>
+          <p:cNvPicPr>
+            <a:picLocks noChangeAspect="1"/>
+          </p:cNvPicPr>
+          <p:nvPr/>
+        </p:nvPicPr>
+        <p:blipFill>
+          <a:blip r:embed="rId5" cstate="print">
+            <a:extLst>
+              <a:ext uri="{28A0092B-C50C-407E-A947-70E740481C1C}">
+                <a14:useLocalDpi xmlns:a14="http://schemas.microsoft.com/office/drawing/2010/main" val="0"/>
+              </a:ext>
+            </a:extLst>
+          </a:blip>
+          <a:stretch>
+            <a:fillRect/>
+          </a:stretch>
+        </p:blipFill>
+        <p:spPr>
+          <a:xfrm>
+            <a:off x="3283457" y="6131815"/>
+            <a:ext cx="3352800" cy="3352800"/>
+          </a:xfrm>
+          <a:prstGeom prst="rect">
+            <a:avLst/>
+          </a:prstGeom>
+        </p:spPr>
+      </p:pic>
+      <p:sp>
+        <p:nvSpPr>
+          <p:cNvPr id="19" name="object 7"/>
+          <p:cNvSpPr txBox="1">
+            <a:spLocks/>
+          </p:cNvSpPr>
+          <p:nvPr/>
+        </p:nvSpPr>
+        <p:spPr>
+          <a:xfrm>
+            <a:off x="1974070" y="8304484"/>
+            <a:ext cx="2656505" cy="320601"/>
+          </a:xfrm>
+          <a:prstGeom prst="rect">
+            <a:avLst/>
+          </a:prstGeom>
+        </p:spPr>
+        <p:txBody>
+          <a:bodyPr vert="horz" wrap="square" lIns="0" tIns="12700" rIns="0" bIns="0" rtlCol="0">
+            <a:spAutoFit/>
+          </a:bodyPr>
+          <a:lstStyle>
+            <a:lvl1pPr>
+              <a:defRPr sz="4200" b="0" i="0">
+                <a:solidFill>
+                  <a:schemeClr val="tx1"/>
+                </a:solidFill>
+                <a:latin typeface="Trebuchet MS"/>
+                <a:ea typeface="+mj-ea"/>
+                <a:cs typeface="Trebuchet MS"/>
+              </a:defRPr>
+            </a:lvl1pPr>
+          </a:lstStyle>
+          <a:p>
+            <a:pPr marL="12700">
+              <a:spcBef>
+                <a:spcPts val="100"/>
+              </a:spcBef>
+            </a:pPr>
+            <a:r>
+              <a:rPr lang="en-US" sz="2000" spc="180" dirty="0" smtClean="0"/>
+              <a:t>GitHub</a:t>
+            </a:r>
+            <a:r>
+              <a:rPr lang="en-US" sz="2000" spc="180" dirty="0"/>
+              <a:t>:</a:t>
+            </a:r>
+            <a:endParaRPr lang="ru-RU" sz="2000" dirty="0"/>
+          </a:p>
+        </p:txBody>
+      </p:sp>
     </p:spTree>
   </p:cSld>
   <p:clrMapOvr>
@@ -5598,7 +5679,7 @@
             </a:pPr>
             <a:fld id="{81D60167-4931-47E6-BA6A-407CBD079E47}" type="slidenum">
               <a:rPr spc="-25" dirty="0"/>
-              <a:t>5</a:t>
+              <a:t>4</a:t>
             </a:fld>
             <a:endParaRPr spc="-25" dirty="0"/>
           </a:p>
@@ -6672,19 +6753,7 @@
               <a:rPr lang="ru-RU" sz="2400" dirty="0" smtClean="0">
                 <a:latin typeface="Trebuchet MS" panose="020B0603020202020204" pitchFamily="34" charset="0"/>
               </a:rPr>
-              <a:t>Создание</a:t>
-            </a:r>
-            <a:r>
-              <a:rPr lang="ru-RU" sz="2400" dirty="0" smtClean="0">
-                <a:latin typeface="Trebuchet MS" panose="020B0603020202020204" pitchFamily="34" charset="0"/>
-              </a:rPr>
-              <a:t> структуры </a:t>
-            </a:r>
-            <a:r>
-              <a:rPr lang="ru-RU" sz="2400" dirty="0" smtClean="0">
-                <a:latin typeface="Trebuchet MS" panose="020B0603020202020204" pitchFamily="34" charset="0"/>
-              </a:rPr>
-              <a:t>приложения</a:t>
+              <a:t>Создание структуры приложения</a:t>
             </a:r>
           </a:p>
           <a:p>
@@ -6697,9 +6766,6 @@
               </a:rPr>
               <a:t>Создание интерфейса приложения</a:t>
             </a:r>
-            <a:endParaRPr lang="ru-RU" sz="2400" dirty="0" smtClean="0">
-              <a:latin typeface="Trebuchet MS" panose="020B0603020202020204" pitchFamily="34" charset="0"/>
-            </a:endParaRPr>
           </a:p>
         </p:txBody>
       </p:sp>
@@ -7533,7 +7599,7 @@
             </a:pPr>
             <a:fld id="{81D60167-4931-47E6-BA6A-407CBD079E47}" type="slidenum">
               <a:rPr spc="-50" dirty="0"/>
-              <a:t>7</a:t>
+              <a:t>6</a:t>
             </a:fld>
             <a:endParaRPr spc="-50" dirty="0"/>
           </a:p>
@@ -9046,6 +9112,30 @@
               <a:rPr lang="ru-RU" dirty="0" smtClean="0">
                 <a:latin typeface="Trebuchet MS" panose="020B0603020202020204" pitchFamily="34" charset="0"/>
               </a:rPr>
+              <a:t>и т</a:t>
+            </a:r>
+            <a:r>
+              <a:rPr lang="en-US" dirty="0" smtClean="0">
+                <a:latin typeface="Trebuchet MS" panose="020B0603020202020204" pitchFamily="34" charset="0"/>
+              </a:rPr>
+              <a:t>.</a:t>
+            </a:r>
+            <a:r>
+              <a:rPr lang="ru-RU" dirty="0" smtClean="0">
+                <a:latin typeface="Trebuchet MS" panose="020B0603020202020204" pitchFamily="34" charset="0"/>
+              </a:rPr>
+              <a:t>п</a:t>
+            </a:r>
+            <a:r>
+              <a:rPr lang="en-US" dirty="0" smtClean="0">
+                <a:latin typeface="Trebuchet MS" panose="020B0603020202020204" pitchFamily="34" charset="0"/>
+              </a:rPr>
+              <a:t>.</a:t>
+            </a:r>
+            <a:r>
+              <a:rPr lang="ru-RU" dirty="0" smtClean="0">
+                <a:latin typeface="Trebuchet MS" panose="020B0603020202020204" pitchFamily="34" charset="0"/>
+              </a:rPr>
               <a:t>)</a:t>
             </a:r>
             <a:endParaRPr lang="ru-RU" dirty="0">
@@ -9126,9 +9216,6 @@
               </a:rPr>
               <a:t>Добавление системы достижений и прогресса обучения</a:t>
             </a:r>
-            <a:endParaRPr lang="ru-RU" dirty="0">
-              <a:latin typeface="Trebuchet MS" panose="020B0603020202020204" pitchFamily="34" charset="0"/>
-            </a:endParaRPr>
           </a:p>
         </p:txBody>
       </p:sp>
@@ -9354,7 +9441,7 @@
         <p:spPr>
           <a:xfrm>
             <a:off x="13757956" y="3229863"/>
-            <a:ext cx="2893981" cy="956672"/>
+            <a:ext cx="3040842" cy="1264449"/>
           </a:xfrm>
           <a:prstGeom prst="rect">
             <a:avLst/>
@@ -9366,6 +9453,7 @@
           </a:bodyPr>
           <a:lstStyle/>
           <a:p>
+            <a:pPr algn="ctr"/>
             <a:r>
               <a:rPr lang="ru-RU" sz="2000" dirty="0" smtClean="0">
                 <a:latin typeface="Trebuchet MS" panose="020B0603020202020204" pitchFamily="34" charset="0"/>
@@ -9385,14 +9473,29 @@
               <a:t>хеши</a:t>
             </a:r>
             <a:r>
+              <a:rPr lang="ru-RU" sz="2000" dirty="0">
+                <a:latin typeface="Trebuchet MS" panose="020B0603020202020204" pitchFamily="34" charset="0"/>
+              </a:rPr>
+              <a:t> </a:t>
+            </a:r>
+            <a:r>
+              <a:rPr lang="ru-RU" sz="2000" dirty="0" smtClean="0">
+                <a:latin typeface="Trebuchet MS" panose="020B0603020202020204" pitchFamily="34" charset="0"/>
+              </a:rPr>
+              <a:t>и </a:t>
+            </a:r>
+            <a:r>
+              <a:rPr lang="ru-RU" sz="2000" dirty="0" err="1" smtClean="0">
+                <a:latin typeface="Trebuchet MS" panose="020B0603020202020204" pitchFamily="34" charset="0"/>
+              </a:rPr>
+              <a:t>тп</a:t>
+            </a:r>
+            <a:r>
               <a:rPr lang="ru-RU" sz="2000" dirty="0" smtClean="0">
                 <a:latin typeface="Trebuchet MS" panose="020B0603020202020204" pitchFamily="34" charset="0"/>
               </a:rPr>
               <a:t>)</a:t>
             </a:r>
-            <a:endParaRPr lang="ru-RU" sz="2000" dirty="0" smtClean="0">
-              <a:latin typeface="Trebuchet MS" panose="020B0603020202020204" pitchFamily="34" charset="0"/>
-            </a:endParaRPr>
           </a:p>
         </p:txBody>
       </p:sp>
@@ -10171,7 +10274,7 @@
           </a:bodyPr>
           <a:lstStyle/>
           <a:p>
-            <a:pPr marL="12700">
+            <a:pPr marL="12700" algn="ctr">
               <a:lnSpc>
                 <a:spcPct val="100000"/>
               </a:lnSpc>
@@ -10180,41 +10283,13 @@
               </a:spcBef>
             </a:pPr>
             <a:r>
-              <a:rPr sz="2400" dirty="0">
+              <a:rPr lang="ru-RU" sz="2400" dirty="0" smtClean="0">
                 <a:latin typeface="Trebuchet MS"/>
                 <a:cs typeface="Trebuchet MS"/>
               </a:rPr>
-              <a:t>Как</a:t>
-            </a:r>
-            <a:r>
-              <a:rPr sz="2400" spc="-200" dirty="0">
-                <a:latin typeface="Trebuchet MS"/>
-                <a:cs typeface="Trebuchet MS"/>
-              </a:rPr>
-              <a:t> </a:t>
-            </a:r>
-            <a:r>
-              <a:rPr sz="2400" spc="45" dirty="0">
-                <a:latin typeface="Trebuchet MS"/>
-                <a:cs typeface="Trebuchet MS"/>
-              </a:rPr>
-              <a:t>принять</a:t>
-            </a:r>
-            <a:r>
-              <a:rPr sz="2400" spc="-175" dirty="0">
-                <a:latin typeface="Trebuchet MS"/>
-                <a:cs typeface="Trebuchet MS"/>
-              </a:rPr>
-              <a:t> </a:t>
-            </a:r>
-            <a:r>
-              <a:rPr sz="2400" spc="-10" dirty="0">
-                <a:latin typeface="Trebuchet MS"/>
-                <a:cs typeface="Trebuchet MS"/>
-              </a:rPr>
-              <a:t>участие</a:t>
-            </a:r>
-            <a:endParaRPr sz="2400">
+              <a:t>План развития</a:t>
+            </a:r>
+            <a:endParaRPr sz="2400" dirty="0">
               <a:latin typeface="Trebuchet MS"/>
               <a:cs typeface="Trebuchet MS"/>
             </a:endParaRPr>

--- a/presentation/Presentation.pptx
+++ b/presentation/Presentation.pptx
@@ -7657,7 +7657,7 @@
         <p:spPr>
           <a:xfrm>
             <a:off x="11399428" y="4956115"/>
-            <a:ext cx="4490332" cy="400110"/>
+            <a:ext cx="4440639" cy="400110"/>
           </a:xfrm>
           <a:prstGeom prst="rect">
             <a:avLst/>
@@ -7670,7 +7670,7 @@
           <a:lstStyle/>
           <a:p>
             <a:r>
-              <a:rPr lang="ru-RU" altLang="ru-RU" sz="2000" dirty="0" err="1" smtClean="0">
+              <a:rPr lang="ru-RU" altLang="ru-RU" sz="2000" dirty="0" smtClean="0">
                 <a:solidFill>
                   <a:schemeClr val="bg2">
                     <a:lumMod val="25000"/>
@@ -7678,10 +7678,10 @@
                 </a:solidFill>
                 <a:latin typeface="Trebuchet MS" panose="020B0603020202020204" pitchFamily="34" charset="0"/>
               </a:rPr>
-              <a:t>Деплой</a:t>
-            </a:r>
-            <a:r>
-              <a:rPr lang="ru-RU" altLang="ru-RU" sz="2000" dirty="0">
+              <a:t>Сборка</a:t>
+            </a:r>
+            <a:r>
+              <a:rPr lang="ru-RU" altLang="ru-RU" sz="2000" dirty="0" smtClean="0">
                 <a:solidFill>
                   <a:schemeClr val="bg2">
                     <a:lumMod val="25000"/>
@@ -8506,8 +8506,8 @@
         </p:nvSpPr>
         <p:spPr>
           <a:xfrm>
-            <a:off x="9476215" y="5864030"/>
-            <a:ext cx="3472348" cy="369332"/>
+            <a:off x="9476214" y="5864030"/>
+            <a:ext cx="3915935" cy="369332"/>
           </a:xfrm>
           <a:prstGeom prst="rect">
             <a:avLst/>
@@ -8523,7 +8523,7 @@
               <a:rPr lang="en-US" spc="125" dirty="0" err="1" smtClean="0">
                 <a:latin typeface="Trebuchet MS" panose="020B0603020202020204" pitchFamily="34" charset="0"/>
               </a:rPr>
-              <a:t>VideoPlayer</a:t>
+              <a:t>VideoManager</a:t>
             </a:r>
             <a:r>
               <a:rPr lang="en-US" spc="125" dirty="0" smtClean="0">
@@ -9088,7 +9088,43 @@
               <a:rPr lang="ru-RU" dirty="0">
                 <a:latin typeface="Trebuchet MS" panose="020B0603020202020204" pitchFamily="34" charset="0"/>
               </a:rPr>
-              <a:t>Добавление алгоритмов и структур данных(деревья</a:t>
+              <a:t>Добавление алгоритмов и структур </a:t>
+            </a:r>
+            <a:r>
+              <a:rPr lang="ru-RU" dirty="0" smtClean="0">
+                <a:latin typeface="Trebuchet MS" panose="020B0603020202020204" pitchFamily="34" charset="0"/>
+              </a:rPr>
+              <a:t>данных(</a:t>
+            </a:r>
+            <a:r>
+              <a:rPr lang="ru-RU" dirty="0" err="1" smtClean="0">
+                <a:latin typeface="Trebuchet MS" panose="020B0603020202020204" pitchFamily="34" charset="0"/>
+              </a:rPr>
+              <a:t>жадники</a:t>
+            </a:r>
+            <a:r>
+              <a:rPr lang="en-US" dirty="0" smtClean="0">
+                <a:latin typeface="Trebuchet MS" panose="020B0603020202020204" pitchFamily="34" charset="0"/>
+              </a:rPr>
+              <a:t>,</a:t>
+            </a:r>
+            <a:r>
+              <a:rPr lang="ru-RU" dirty="0" smtClean="0">
+                <a:latin typeface="Trebuchet MS" panose="020B0603020202020204" pitchFamily="34" charset="0"/>
+              </a:rPr>
+              <a:t> комбинаторика</a:t>
+            </a:r>
+            <a:r>
+              <a:rPr lang="en-US" dirty="0" smtClean="0">
+                <a:latin typeface="Trebuchet MS" panose="020B0603020202020204" pitchFamily="34" charset="0"/>
+              </a:rPr>
+              <a:t>, </a:t>
+            </a:r>
+            <a:r>
+              <a:rPr lang="ru-RU" dirty="0" smtClean="0">
+                <a:latin typeface="Trebuchet MS" panose="020B0603020202020204" pitchFamily="34" charset="0"/>
+              </a:rPr>
+              <a:t>деревья</a:t>
             </a:r>
             <a:r>
               <a:rPr lang="en-US" dirty="0">
@@ -9441,7 +9477,7 @@
         <p:spPr>
           <a:xfrm>
             <a:off x="13757956" y="3229863"/>
-            <a:ext cx="3040842" cy="1264449"/>
+            <a:ext cx="3040842" cy="1572225"/>
           </a:xfrm>
           <a:prstGeom prst="rect">
             <a:avLst/>
@@ -9458,7 +9494,43 @@
               <a:rPr lang="ru-RU" sz="2000" dirty="0" smtClean="0">
                 <a:latin typeface="Trebuchet MS" panose="020B0603020202020204" pitchFamily="34" charset="0"/>
               </a:rPr>
-              <a:t>Добавление алгоритмов и структур данных(деревья</a:t>
+              <a:t>Добавление алгоритмов и структур </a:t>
+            </a:r>
+            <a:r>
+              <a:rPr lang="ru-RU" sz="2000" dirty="0" smtClean="0">
+                <a:latin typeface="Trebuchet MS" panose="020B0603020202020204" pitchFamily="34" charset="0"/>
+              </a:rPr>
+              <a:t>данных(</a:t>
+            </a:r>
+            <a:r>
+              <a:rPr lang="ru-RU" sz="2000" dirty="0" err="1" smtClean="0">
+                <a:latin typeface="Trebuchet MS" panose="020B0603020202020204" pitchFamily="34" charset="0"/>
+              </a:rPr>
+              <a:t>жадники</a:t>
+            </a:r>
+            <a:r>
+              <a:rPr lang="en-US" sz="2000" dirty="0" smtClean="0">
+                <a:latin typeface="Trebuchet MS" panose="020B0603020202020204" pitchFamily="34" charset="0"/>
+              </a:rPr>
+              <a:t>,</a:t>
+            </a:r>
+            <a:r>
+              <a:rPr lang="ru-RU" sz="2000" dirty="0" smtClean="0">
+                <a:latin typeface="Trebuchet MS" panose="020B0603020202020204" pitchFamily="34" charset="0"/>
+              </a:rPr>
+              <a:t> комбинаторика</a:t>
+            </a:r>
+            <a:r>
+              <a:rPr lang="en-US" sz="2000" dirty="0" smtClean="0">
+                <a:latin typeface="Trebuchet MS" panose="020B0603020202020204" pitchFamily="34" charset="0"/>
+              </a:rPr>
+              <a:t>, </a:t>
+            </a:r>
+            <a:r>
+              <a:rPr lang="ru-RU" sz="2000" dirty="0" smtClean="0">
+                <a:latin typeface="Trebuchet MS" panose="020B0603020202020204" pitchFamily="34" charset="0"/>
+              </a:rPr>
+              <a:t>деревья</a:t>
             </a:r>
             <a:r>
               <a:rPr lang="en-US" sz="2000" dirty="0" smtClean="0">
